--- a/系统架构.pptx
+++ b/系统架构.pptx
@@ -8,8 +8,7 @@
     <p:sldId id="260" r:id="rId2"/>
     <p:sldId id="262" r:id="rId3"/>
     <p:sldId id="263" r:id="rId4"/>
-    <p:sldId id="261" r:id="rId5"/>
-    <p:sldId id="258" r:id="rId6"/>
+    <p:sldId id="258" r:id="rId5"/>
   </p:sldIdLst>
   <p:sldSz cx="12192000" cy="6858000"/>
   <p:notesSz cx="6858000" cy="9144000"/>
@@ -267,7 +266,7 @@
           <a:p>
             <a:fld id="{0F7F4FFA-FCD1-4C2A-97C5-181E5C6ED0A2}" type="datetimeFigureOut">
               <a:rPr lang="zh-CN" altLang="en-US" smtClean="0"/>
-              <a:t>2017/10/25</a:t>
+              <a:t>2017/12/19</a:t>
             </a:fld>
             <a:endParaRPr lang="zh-CN" altLang="en-US"/>
           </a:p>
@@ -465,7 +464,7 @@
           <a:p>
             <a:fld id="{0F7F4FFA-FCD1-4C2A-97C5-181E5C6ED0A2}" type="datetimeFigureOut">
               <a:rPr lang="zh-CN" altLang="en-US" smtClean="0"/>
-              <a:t>2017/10/25</a:t>
+              <a:t>2017/12/19</a:t>
             </a:fld>
             <a:endParaRPr lang="zh-CN" altLang="en-US"/>
           </a:p>
@@ -673,7 +672,7 @@
           <a:p>
             <a:fld id="{0F7F4FFA-FCD1-4C2A-97C5-181E5C6ED0A2}" type="datetimeFigureOut">
               <a:rPr lang="zh-CN" altLang="en-US" smtClean="0"/>
-              <a:t>2017/10/25</a:t>
+              <a:t>2017/12/19</a:t>
             </a:fld>
             <a:endParaRPr lang="zh-CN" altLang="en-US"/>
           </a:p>
@@ -871,7 +870,7 @@
           <a:p>
             <a:fld id="{0F7F4FFA-FCD1-4C2A-97C5-181E5C6ED0A2}" type="datetimeFigureOut">
               <a:rPr lang="zh-CN" altLang="en-US" smtClean="0"/>
-              <a:t>2017/10/25</a:t>
+              <a:t>2017/12/19</a:t>
             </a:fld>
             <a:endParaRPr lang="zh-CN" altLang="en-US"/>
           </a:p>
@@ -1146,7 +1145,7 @@
           <a:p>
             <a:fld id="{0F7F4FFA-FCD1-4C2A-97C5-181E5C6ED0A2}" type="datetimeFigureOut">
               <a:rPr lang="zh-CN" altLang="en-US" smtClean="0"/>
-              <a:t>2017/10/25</a:t>
+              <a:t>2017/12/19</a:t>
             </a:fld>
             <a:endParaRPr lang="zh-CN" altLang="en-US"/>
           </a:p>
@@ -1411,7 +1410,7 @@
           <a:p>
             <a:fld id="{0F7F4FFA-FCD1-4C2A-97C5-181E5C6ED0A2}" type="datetimeFigureOut">
               <a:rPr lang="zh-CN" altLang="en-US" smtClean="0"/>
-              <a:t>2017/10/25</a:t>
+              <a:t>2017/12/19</a:t>
             </a:fld>
             <a:endParaRPr lang="zh-CN" altLang="en-US"/>
           </a:p>
@@ -1823,7 +1822,7 @@
           <a:p>
             <a:fld id="{0F7F4FFA-FCD1-4C2A-97C5-181E5C6ED0A2}" type="datetimeFigureOut">
               <a:rPr lang="zh-CN" altLang="en-US" smtClean="0"/>
-              <a:t>2017/10/25</a:t>
+              <a:t>2017/12/19</a:t>
             </a:fld>
             <a:endParaRPr lang="zh-CN" altLang="en-US"/>
           </a:p>
@@ -1964,7 +1963,7 @@
           <a:p>
             <a:fld id="{0F7F4FFA-FCD1-4C2A-97C5-181E5C6ED0A2}" type="datetimeFigureOut">
               <a:rPr lang="zh-CN" altLang="en-US" smtClean="0"/>
-              <a:t>2017/10/25</a:t>
+              <a:t>2017/12/19</a:t>
             </a:fld>
             <a:endParaRPr lang="zh-CN" altLang="en-US"/>
           </a:p>
@@ -2077,7 +2076,7 @@
           <a:p>
             <a:fld id="{0F7F4FFA-FCD1-4C2A-97C5-181E5C6ED0A2}" type="datetimeFigureOut">
               <a:rPr lang="zh-CN" altLang="en-US" smtClean="0"/>
-              <a:t>2017/10/25</a:t>
+              <a:t>2017/12/19</a:t>
             </a:fld>
             <a:endParaRPr lang="zh-CN" altLang="en-US"/>
           </a:p>
@@ -2388,7 +2387,7 @@
           <a:p>
             <a:fld id="{0F7F4FFA-FCD1-4C2A-97C5-181E5C6ED0A2}" type="datetimeFigureOut">
               <a:rPr lang="zh-CN" altLang="en-US" smtClean="0"/>
-              <a:t>2017/10/25</a:t>
+              <a:t>2017/12/19</a:t>
             </a:fld>
             <a:endParaRPr lang="zh-CN" altLang="en-US"/>
           </a:p>
@@ -2676,7 +2675,7 @@
           <a:p>
             <a:fld id="{0F7F4FFA-FCD1-4C2A-97C5-181E5C6ED0A2}" type="datetimeFigureOut">
               <a:rPr lang="zh-CN" altLang="en-US" smtClean="0"/>
-              <a:t>2017/10/25</a:t>
+              <a:t>2017/12/19</a:t>
             </a:fld>
             <a:endParaRPr lang="zh-CN" altLang="en-US"/>
           </a:p>
@@ -2917,7 +2916,7 @@
           <a:p>
             <a:fld id="{0F7F4FFA-FCD1-4C2A-97C5-181E5C6ED0A2}" type="datetimeFigureOut">
               <a:rPr lang="zh-CN" altLang="en-US" smtClean="0"/>
-              <a:t>2017/10/25</a:t>
+              <a:t>2017/12/19</a:t>
             </a:fld>
             <a:endParaRPr lang="zh-CN" altLang="en-US"/>
           </a:p>
@@ -7005,1199 +7004,6 @@
 </file>
 
 <file path=ppt/slides/slide4.xml><?xml version="1.0" encoding="utf-8"?>
-<p:sld xmlns:a="http://schemas.openxmlformats.org/drawingml/2006/main" xmlns:r="http://schemas.openxmlformats.org/officeDocument/2006/relationships" xmlns:p="http://schemas.openxmlformats.org/presentationml/2006/main">
-  <p:cSld>
-    <p:spTree>
-      <p:nvGrpSpPr>
-        <p:cNvPr id="1" name=""/>
-        <p:cNvGrpSpPr/>
-        <p:nvPr/>
-      </p:nvGrpSpPr>
-      <p:grpSpPr>
-        <a:xfrm>
-          <a:off x="0" y="0"/>
-          <a:ext cx="0" cy="0"/>
-          <a:chOff x="0" y="0"/>
-          <a:chExt cx="0" cy="0"/>
-        </a:xfrm>
-      </p:grpSpPr>
-      <p:sp>
-        <p:nvSpPr>
-          <p:cNvPr id="4" name="矩形 3">
-            <a:extLst>
-              <a:ext uri="{FF2B5EF4-FFF2-40B4-BE49-F238E27FC236}">
-                <a16:creationId xmlns:a16="http://schemas.microsoft.com/office/drawing/2014/main" id="{F2C56314-DC83-420A-8691-1EB9D3AB17ED}"/>
-              </a:ext>
-            </a:extLst>
-          </p:cNvPr>
-          <p:cNvSpPr/>
-          <p:nvPr/>
-        </p:nvSpPr>
-        <p:spPr>
-          <a:xfrm>
-            <a:off x="1211225" y="865104"/>
-            <a:ext cx="1545227" cy="602734"/>
-          </a:xfrm>
-          <a:prstGeom prst="rect">
-            <a:avLst/>
-          </a:prstGeom>
-          <a:solidFill>
-            <a:srgbClr val="92D050"/>
-          </a:solidFill>
-        </p:spPr>
-        <p:style>
-          <a:lnRef idx="2">
-            <a:schemeClr val="accent1">
-              <a:shade val="50000"/>
-            </a:schemeClr>
-          </a:lnRef>
-          <a:fillRef idx="1">
-            <a:schemeClr val="accent1"/>
-          </a:fillRef>
-          <a:effectRef idx="0">
-            <a:schemeClr val="accent1"/>
-          </a:effectRef>
-          <a:fontRef idx="minor">
-            <a:schemeClr val="lt1"/>
-          </a:fontRef>
-        </p:style>
-        <p:txBody>
-          <a:bodyPr rtlCol="0" anchor="ctr"/>
-          <a:lstStyle/>
-          <a:p>
-            <a:pPr algn="ctr"/>
-            <a:r>
-              <a:rPr lang="zh-CN" altLang="en-US" dirty="0">
-                <a:solidFill>
-                  <a:schemeClr val="tx1"/>
-                </a:solidFill>
-              </a:rPr>
-              <a:t>表示层</a:t>
-            </a:r>
-          </a:p>
-        </p:txBody>
-      </p:sp>
-      <p:sp>
-        <p:nvSpPr>
-          <p:cNvPr id="5" name="矩形 4">
-            <a:extLst>
-              <a:ext uri="{FF2B5EF4-FFF2-40B4-BE49-F238E27FC236}">
-                <a16:creationId xmlns:a16="http://schemas.microsoft.com/office/drawing/2014/main" id="{20629E91-EDD2-4852-9FCF-31650004C96A}"/>
-              </a:ext>
-            </a:extLst>
-          </p:cNvPr>
-          <p:cNvSpPr/>
-          <p:nvPr/>
-        </p:nvSpPr>
-        <p:spPr>
-          <a:xfrm>
-            <a:off x="3248072" y="865103"/>
-            <a:ext cx="1545227" cy="602734"/>
-          </a:xfrm>
-          <a:prstGeom prst="rect">
-            <a:avLst/>
-          </a:prstGeom>
-          <a:solidFill>
-            <a:srgbClr val="92D050"/>
-          </a:solidFill>
-        </p:spPr>
-        <p:style>
-          <a:lnRef idx="2">
-            <a:schemeClr val="accent1">
-              <a:shade val="50000"/>
-            </a:schemeClr>
-          </a:lnRef>
-          <a:fillRef idx="1">
-            <a:schemeClr val="accent1"/>
-          </a:fillRef>
-          <a:effectRef idx="0">
-            <a:schemeClr val="accent1"/>
-          </a:effectRef>
-          <a:fontRef idx="minor">
-            <a:schemeClr val="lt1"/>
-          </a:fontRef>
-        </p:style>
-        <p:txBody>
-          <a:bodyPr rtlCol="0" anchor="ctr"/>
-          <a:lstStyle/>
-          <a:p>
-            <a:pPr algn="ctr"/>
-            <a:r>
-              <a:rPr lang="en-US" altLang="zh-CN" dirty="0" err="1">
-                <a:solidFill>
-                  <a:schemeClr val="tx1"/>
-                </a:solidFill>
-              </a:rPr>
-              <a:t>BootStrap</a:t>
-            </a:r>
-            <a:endParaRPr lang="zh-CN" altLang="en-US" dirty="0">
-              <a:solidFill>
-                <a:schemeClr val="tx1"/>
-              </a:solidFill>
-            </a:endParaRPr>
-          </a:p>
-        </p:txBody>
-      </p:sp>
-      <p:sp>
-        <p:nvSpPr>
-          <p:cNvPr id="6" name="矩形 5">
-            <a:extLst>
-              <a:ext uri="{FF2B5EF4-FFF2-40B4-BE49-F238E27FC236}">
-                <a16:creationId xmlns:a16="http://schemas.microsoft.com/office/drawing/2014/main" id="{7F29642A-527E-4483-B1CE-8357F10BE94C}"/>
-              </a:ext>
-            </a:extLst>
-          </p:cNvPr>
-          <p:cNvSpPr/>
-          <p:nvPr/>
-        </p:nvSpPr>
-        <p:spPr>
-          <a:xfrm>
-            <a:off x="6489578" y="865103"/>
-            <a:ext cx="1545227" cy="602734"/>
-          </a:xfrm>
-          <a:prstGeom prst="rect">
-            <a:avLst/>
-          </a:prstGeom>
-          <a:solidFill>
-            <a:srgbClr val="92D050"/>
-          </a:solidFill>
-        </p:spPr>
-        <p:style>
-          <a:lnRef idx="2">
-            <a:schemeClr val="accent1">
-              <a:shade val="50000"/>
-            </a:schemeClr>
-          </a:lnRef>
-          <a:fillRef idx="1">
-            <a:schemeClr val="accent1"/>
-          </a:fillRef>
-          <a:effectRef idx="0">
-            <a:schemeClr val="accent1"/>
-          </a:effectRef>
-          <a:fontRef idx="minor">
-            <a:schemeClr val="lt1"/>
-          </a:fontRef>
-        </p:style>
-        <p:txBody>
-          <a:bodyPr rtlCol="0" anchor="ctr"/>
-          <a:lstStyle/>
-          <a:p>
-            <a:pPr algn="ctr"/>
-            <a:r>
-              <a:rPr lang="en-US" altLang="zh-CN" dirty="0">
-                <a:solidFill>
-                  <a:schemeClr val="tx1"/>
-                </a:solidFill>
-              </a:rPr>
-              <a:t>Free marker</a:t>
-            </a:r>
-            <a:endParaRPr lang="zh-CN" altLang="en-US" dirty="0">
-              <a:solidFill>
-                <a:schemeClr val="tx1"/>
-              </a:solidFill>
-            </a:endParaRPr>
-          </a:p>
-        </p:txBody>
-      </p:sp>
-      <p:sp>
-        <p:nvSpPr>
-          <p:cNvPr id="7" name="矩形 6">
-            <a:extLst>
-              <a:ext uri="{FF2B5EF4-FFF2-40B4-BE49-F238E27FC236}">
-                <a16:creationId xmlns:a16="http://schemas.microsoft.com/office/drawing/2014/main" id="{D755240F-0CC3-41D3-AB07-965DE7C4FB3C}"/>
-              </a:ext>
-            </a:extLst>
-          </p:cNvPr>
-          <p:cNvSpPr/>
-          <p:nvPr/>
-        </p:nvSpPr>
-        <p:spPr>
-          <a:xfrm>
-            <a:off x="8110329" y="865103"/>
-            <a:ext cx="1545227" cy="602734"/>
-          </a:xfrm>
-          <a:prstGeom prst="rect">
-            <a:avLst/>
-          </a:prstGeom>
-          <a:solidFill>
-            <a:srgbClr val="92D050"/>
-          </a:solidFill>
-        </p:spPr>
-        <p:style>
-          <a:lnRef idx="2">
-            <a:schemeClr val="accent1">
-              <a:shade val="50000"/>
-            </a:schemeClr>
-          </a:lnRef>
-          <a:fillRef idx="1">
-            <a:schemeClr val="accent1"/>
-          </a:fillRef>
-          <a:effectRef idx="0">
-            <a:schemeClr val="accent1"/>
-          </a:effectRef>
-          <a:fontRef idx="minor">
-            <a:schemeClr val="lt1"/>
-          </a:fontRef>
-        </p:style>
-        <p:txBody>
-          <a:bodyPr rtlCol="0" anchor="ctr"/>
-          <a:lstStyle/>
-          <a:p>
-            <a:pPr algn="ctr"/>
-            <a:r>
-              <a:rPr lang="en-US" altLang="zh-CN" dirty="0" err="1">
-                <a:solidFill>
-                  <a:schemeClr val="tx1"/>
-                </a:solidFill>
-              </a:rPr>
-              <a:t>JQuery</a:t>
-            </a:r>
-            <a:endParaRPr lang="zh-CN" altLang="en-US" dirty="0">
-              <a:solidFill>
-                <a:schemeClr val="tx1"/>
-              </a:solidFill>
-            </a:endParaRPr>
-          </a:p>
-        </p:txBody>
-      </p:sp>
-      <p:sp>
-        <p:nvSpPr>
-          <p:cNvPr id="8" name="矩形 7">
-            <a:extLst>
-              <a:ext uri="{FF2B5EF4-FFF2-40B4-BE49-F238E27FC236}">
-                <a16:creationId xmlns:a16="http://schemas.microsoft.com/office/drawing/2014/main" id="{FC06251D-5A24-49D6-8F97-FB2F6A315673}"/>
-              </a:ext>
-            </a:extLst>
-          </p:cNvPr>
-          <p:cNvSpPr/>
-          <p:nvPr/>
-        </p:nvSpPr>
-        <p:spPr>
-          <a:xfrm>
-            <a:off x="4868825" y="865103"/>
-            <a:ext cx="1545227" cy="602734"/>
-          </a:xfrm>
-          <a:prstGeom prst="rect">
-            <a:avLst/>
-          </a:prstGeom>
-          <a:solidFill>
-            <a:srgbClr val="92D050"/>
-          </a:solidFill>
-        </p:spPr>
-        <p:style>
-          <a:lnRef idx="2">
-            <a:schemeClr val="accent1">
-              <a:shade val="50000"/>
-            </a:schemeClr>
-          </a:lnRef>
-          <a:fillRef idx="1">
-            <a:schemeClr val="accent1"/>
-          </a:fillRef>
-          <a:effectRef idx="0">
-            <a:schemeClr val="accent1"/>
-          </a:effectRef>
-          <a:fontRef idx="minor">
-            <a:schemeClr val="lt1"/>
-          </a:fontRef>
-        </p:style>
-        <p:txBody>
-          <a:bodyPr rtlCol="0" anchor="ctr"/>
-          <a:lstStyle/>
-          <a:p>
-            <a:pPr algn="ctr"/>
-            <a:r>
-              <a:rPr lang="en-US" altLang="zh-CN" dirty="0">
-                <a:solidFill>
-                  <a:schemeClr val="tx1"/>
-                </a:solidFill>
-              </a:rPr>
-              <a:t>HTML5</a:t>
-            </a:r>
-            <a:endParaRPr lang="zh-CN" altLang="en-US" dirty="0">
-              <a:solidFill>
-                <a:schemeClr val="tx1"/>
-              </a:solidFill>
-            </a:endParaRPr>
-          </a:p>
-        </p:txBody>
-      </p:sp>
-      <p:sp>
-        <p:nvSpPr>
-          <p:cNvPr id="9" name="矩形 8">
-            <a:extLst>
-              <a:ext uri="{FF2B5EF4-FFF2-40B4-BE49-F238E27FC236}">
-                <a16:creationId xmlns:a16="http://schemas.microsoft.com/office/drawing/2014/main" id="{B11EFC74-4651-4CAF-B90D-71B679D3446F}"/>
-              </a:ext>
-            </a:extLst>
-          </p:cNvPr>
-          <p:cNvSpPr/>
-          <p:nvPr/>
-        </p:nvSpPr>
-        <p:spPr>
-          <a:xfrm>
-            <a:off x="1211224" y="2312743"/>
-            <a:ext cx="1545227" cy="602734"/>
-          </a:xfrm>
-          <a:prstGeom prst="rect">
-            <a:avLst/>
-          </a:prstGeom>
-          <a:solidFill>
-            <a:srgbClr val="92D050"/>
-          </a:solidFill>
-        </p:spPr>
-        <p:style>
-          <a:lnRef idx="2">
-            <a:schemeClr val="accent1">
-              <a:shade val="50000"/>
-            </a:schemeClr>
-          </a:lnRef>
-          <a:fillRef idx="1">
-            <a:schemeClr val="accent1"/>
-          </a:fillRef>
-          <a:effectRef idx="0">
-            <a:schemeClr val="accent1"/>
-          </a:effectRef>
-          <a:fontRef idx="minor">
-            <a:schemeClr val="lt1"/>
-          </a:fontRef>
-        </p:style>
-        <p:txBody>
-          <a:bodyPr rtlCol="0" anchor="ctr"/>
-          <a:lstStyle/>
-          <a:p>
-            <a:pPr algn="ctr"/>
-            <a:r>
-              <a:rPr lang="zh-CN" altLang="en-US" dirty="0">
-                <a:solidFill>
-                  <a:schemeClr val="tx1"/>
-                </a:solidFill>
-              </a:rPr>
-              <a:t>控制层</a:t>
-            </a:r>
-          </a:p>
-        </p:txBody>
-      </p:sp>
-      <p:sp>
-        <p:nvSpPr>
-          <p:cNvPr id="10" name="矩形 9">
-            <a:extLst>
-              <a:ext uri="{FF2B5EF4-FFF2-40B4-BE49-F238E27FC236}">
-                <a16:creationId xmlns:a16="http://schemas.microsoft.com/office/drawing/2014/main" id="{9480F152-A0A0-453B-A9BE-656B38907D6D}"/>
-              </a:ext>
-            </a:extLst>
-          </p:cNvPr>
-          <p:cNvSpPr/>
-          <p:nvPr/>
-        </p:nvSpPr>
-        <p:spPr>
-          <a:xfrm>
-            <a:off x="1211221" y="4492488"/>
-            <a:ext cx="1545227" cy="917742"/>
-          </a:xfrm>
-          <a:prstGeom prst="rect">
-            <a:avLst/>
-          </a:prstGeom>
-          <a:solidFill>
-            <a:srgbClr val="92D050"/>
-          </a:solidFill>
-        </p:spPr>
-        <p:style>
-          <a:lnRef idx="2">
-            <a:schemeClr val="accent1">
-              <a:shade val="50000"/>
-            </a:schemeClr>
-          </a:lnRef>
-          <a:fillRef idx="1">
-            <a:schemeClr val="accent1"/>
-          </a:fillRef>
-          <a:effectRef idx="0">
-            <a:schemeClr val="accent1"/>
-          </a:effectRef>
-          <a:fontRef idx="minor">
-            <a:schemeClr val="lt1"/>
-          </a:fontRef>
-        </p:style>
-        <p:txBody>
-          <a:bodyPr rtlCol="0" anchor="ctr"/>
-          <a:lstStyle/>
-          <a:p>
-            <a:pPr algn="ctr"/>
-            <a:r>
-              <a:rPr lang="zh-CN" altLang="en-US" dirty="0">
-                <a:solidFill>
-                  <a:schemeClr val="tx1"/>
-                </a:solidFill>
-              </a:rPr>
-              <a:t>容器层</a:t>
-            </a:r>
-          </a:p>
-        </p:txBody>
-      </p:sp>
-      <p:sp>
-        <p:nvSpPr>
-          <p:cNvPr id="11" name="矩形 10">
-            <a:extLst>
-              <a:ext uri="{FF2B5EF4-FFF2-40B4-BE49-F238E27FC236}">
-                <a16:creationId xmlns:a16="http://schemas.microsoft.com/office/drawing/2014/main" id="{4C512F0F-118F-460B-A4D4-7273C2DB171A}"/>
-              </a:ext>
-            </a:extLst>
-          </p:cNvPr>
-          <p:cNvSpPr/>
-          <p:nvPr/>
-        </p:nvSpPr>
-        <p:spPr>
-          <a:xfrm>
-            <a:off x="2920757" y="3826678"/>
-            <a:ext cx="1545227" cy="602734"/>
-          </a:xfrm>
-          <a:prstGeom prst="rect">
-            <a:avLst/>
-          </a:prstGeom>
-          <a:solidFill>
-            <a:srgbClr val="92D050"/>
-          </a:solidFill>
-        </p:spPr>
-        <p:style>
-          <a:lnRef idx="2">
-            <a:schemeClr val="accent1">
-              <a:shade val="50000"/>
-            </a:schemeClr>
-          </a:lnRef>
-          <a:fillRef idx="1">
-            <a:schemeClr val="accent1"/>
-          </a:fillRef>
-          <a:effectRef idx="0">
-            <a:schemeClr val="accent1"/>
-          </a:effectRef>
-          <a:fontRef idx="minor">
-            <a:schemeClr val="lt1"/>
-          </a:fontRef>
-        </p:style>
-        <p:txBody>
-          <a:bodyPr rtlCol="0" anchor="ctr"/>
-          <a:lstStyle/>
-          <a:p>
-            <a:pPr algn="ctr"/>
-            <a:r>
-              <a:rPr lang="en-US" altLang="zh-CN" dirty="0">
-                <a:solidFill>
-                  <a:schemeClr val="tx1"/>
-                </a:solidFill>
-              </a:rPr>
-              <a:t>Nginx </a:t>
-            </a:r>
-            <a:endParaRPr lang="zh-CN" altLang="en-US" dirty="0">
-              <a:solidFill>
-                <a:schemeClr val="tx1"/>
-              </a:solidFill>
-            </a:endParaRPr>
-          </a:p>
-        </p:txBody>
-      </p:sp>
-      <p:sp>
-        <p:nvSpPr>
-          <p:cNvPr id="12" name="矩形 11">
-            <a:extLst>
-              <a:ext uri="{FF2B5EF4-FFF2-40B4-BE49-F238E27FC236}">
-                <a16:creationId xmlns:a16="http://schemas.microsoft.com/office/drawing/2014/main" id="{7690D939-4093-4B82-A2C7-28DF3B5853EB}"/>
-              </a:ext>
-            </a:extLst>
-          </p:cNvPr>
-          <p:cNvSpPr/>
-          <p:nvPr/>
-        </p:nvSpPr>
-        <p:spPr>
-          <a:xfrm>
-            <a:off x="3248073" y="2299489"/>
-            <a:ext cx="2980450" cy="602734"/>
-          </a:xfrm>
-          <a:prstGeom prst="rect">
-            <a:avLst/>
-          </a:prstGeom>
-          <a:solidFill>
-            <a:srgbClr val="92D050"/>
-          </a:solidFill>
-        </p:spPr>
-        <p:style>
-          <a:lnRef idx="2">
-            <a:schemeClr val="accent1">
-              <a:shade val="50000"/>
-            </a:schemeClr>
-          </a:lnRef>
-          <a:fillRef idx="1">
-            <a:schemeClr val="accent1"/>
-          </a:fillRef>
-          <a:effectRef idx="0">
-            <a:schemeClr val="accent1"/>
-          </a:effectRef>
-          <a:fontRef idx="minor">
-            <a:schemeClr val="lt1"/>
-          </a:fontRef>
-        </p:style>
-        <p:txBody>
-          <a:bodyPr rtlCol="0" anchor="ctr"/>
-          <a:lstStyle/>
-          <a:p>
-            <a:pPr algn="ctr"/>
-            <a:r>
-              <a:rPr lang="en-US" altLang="zh-CN" dirty="0">
-                <a:solidFill>
-                  <a:schemeClr val="tx1"/>
-                </a:solidFill>
-              </a:rPr>
-              <a:t>Spring-boot</a:t>
-            </a:r>
-            <a:endParaRPr lang="zh-CN" altLang="en-US" dirty="0">
-              <a:solidFill>
-                <a:schemeClr val="tx1"/>
-              </a:solidFill>
-            </a:endParaRPr>
-          </a:p>
-        </p:txBody>
-      </p:sp>
-      <p:sp>
-        <p:nvSpPr>
-          <p:cNvPr id="13" name="矩形 12">
-            <a:extLst>
-              <a:ext uri="{FF2B5EF4-FFF2-40B4-BE49-F238E27FC236}">
-                <a16:creationId xmlns:a16="http://schemas.microsoft.com/office/drawing/2014/main" id="{AE8BA084-D40D-44AB-A3CE-80AD19353F90}"/>
-              </a:ext>
-            </a:extLst>
-          </p:cNvPr>
-          <p:cNvSpPr/>
-          <p:nvPr/>
-        </p:nvSpPr>
-        <p:spPr>
-          <a:xfrm>
-            <a:off x="6414052" y="2299490"/>
-            <a:ext cx="1620753" cy="615988"/>
-          </a:xfrm>
-          <a:prstGeom prst="rect">
-            <a:avLst/>
-          </a:prstGeom>
-          <a:solidFill>
-            <a:srgbClr val="92D050"/>
-          </a:solidFill>
-        </p:spPr>
-        <p:style>
-          <a:lnRef idx="2">
-            <a:schemeClr val="accent1">
-              <a:shade val="50000"/>
-            </a:schemeClr>
-          </a:lnRef>
-          <a:fillRef idx="1">
-            <a:schemeClr val="accent1"/>
-          </a:fillRef>
-          <a:effectRef idx="0">
-            <a:schemeClr val="accent1"/>
-          </a:effectRef>
-          <a:fontRef idx="minor">
-            <a:schemeClr val="lt1"/>
-          </a:fontRef>
-        </p:style>
-        <p:txBody>
-          <a:bodyPr rtlCol="0" anchor="ctr"/>
-          <a:lstStyle/>
-          <a:p>
-            <a:pPr algn="ctr"/>
-            <a:r>
-              <a:rPr lang="en-US" altLang="zh-CN" dirty="0">
-                <a:solidFill>
-                  <a:schemeClr val="tx1"/>
-                </a:solidFill>
-              </a:rPr>
-              <a:t>Spring-MVC</a:t>
-            </a:r>
-            <a:endParaRPr lang="zh-CN" altLang="en-US" dirty="0">
-              <a:solidFill>
-                <a:schemeClr val="tx1"/>
-              </a:solidFill>
-            </a:endParaRPr>
-          </a:p>
-        </p:txBody>
-      </p:sp>
-      <p:sp>
-        <p:nvSpPr>
-          <p:cNvPr id="14" name="矩形 13">
-            <a:extLst>
-              <a:ext uri="{FF2B5EF4-FFF2-40B4-BE49-F238E27FC236}">
-                <a16:creationId xmlns:a16="http://schemas.microsoft.com/office/drawing/2014/main" id="{48D0E5F5-33E0-44DE-ABCF-A3D447ABC83B}"/>
-              </a:ext>
-            </a:extLst>
-          </p:cNvPr>
-          <p:cNvSpPr/>
-          <p:nvPr/>
-        </p:nvSpPr>
-        <p:spPr>
-          <a:xfrm>
-            <a:off x="1211223" y="3187386"/>
-            <a:ext cx="1677752" cy="602734"/>
-          </a:xfrm>
-          <a:prstGeom prst="rect">
-            <a:avLst/>
-          </a:prstGeom>
-          <a:solidFill>
-            <a:srgbClr val="92D050"/>
-          </a:solidFill>
-        </p:spPr>
-        <p:style>
-          <a:lnRef idx="2">
-            <a:schemeClr val="accent1">
-              <a:shade val="50000"/>
-            </a:schemeClr>
-          </a:lnRef>
-          <a:fillRef idx="1">
-            <a:schemeClr val="accent1"/>
-          </a:fillRef>
-          <a:effectRef idx="0">
-            <a:schemeClr val="accent1"/>
-          </a:effectRef>
-          <a:fontRef idx="minor">
-            <a:schemeClr val="lt1"/>
-          </a:fontRef>
-        </p:style>
-        <p:txBody>
-          <a:bodyPr rtlCol="0" anchor="ctr"/>
-          <a:lstStyle/>
-          <a:p>
-            <a:pPr algn="ctr"/>
-            <a:r>
-              <a:rPr lang="zh-CN" altLang="en-US" dirty="0">
-                <a:solidFill>
-                  <a:schemeClr val="tx1"/>
-                </a:solidFill>
-              </a:rPr>
-              <a:t>数据库中间件</a:t>
-            </a:r>
-          </a:p>
-        </p:txBody>
-      </p:sp>
-      <p:sp>
-        <p:nvSpPr>
-          <p:cNvPr id="15" name="矩形 14">
-            <a:extLst>
-              <a:ext uri="{FF2B5EF4-FFF2-40B4-BE49-F238E27FC236}">
-                <a16:creationId xmlns:a16="http://schemas.microsoft.com/office/drawing/2014/main" id="{0BA5199C-6ACA-42FF-B68E-915ECFCBEABD}"/>
-              </a:ext>
-            </a:extLst>
-          </p:cNvPr>
-          <p:cNvSpPr/>
-          <p:nvPr/>
-        </p:nvSpPr>
-        <p:spPr>
-          <a:xfrm>
-            <a:off x="3248072" y="3187383"/>
-            <a:ext cx="4106885" cy="602734"/>
-          </a:xfrm>
-          <a:prstGeom prst="rect">
-            <a:avLst/>
-          </a:prstGeom>
-          <a:solidFill>
-            <a:srgbClr val="92D050"/>
-          </a:solidFill>
-        </p:spPr>
-        <p:style>
-          <a:lnRef idx="2">
-            <a:schemeClr val="accent1">
-              <a:shade val="50000"/>
-            </a:schemeClr>
-          </a:lnRef>
-          <a:fillRef idx="1">
-            <a:schemeClr val="accent1"/>
-          </a:fillRef>
-          <a:effectRef idx="0">
-            <a:schemeClr val="accent1"/>
-          </a:effectRef>
-          <a:fontRef idx="minor">
-            <a:schemeClr val="lt1"/>
-          </a:fontRef>
-        </p:style>
-        <p:txBody>
-          <a:bodyPr rtlCol="0" anchor="ctr"/>
-          <a:lstStyle/>
-          <a:p>
-            <a:pPr algn="ctr"/>
-            <a:r>
-              <a:rPr lang="en-US" altLang="zh-CN" dirty="0">
-                <a:solidFill>
-                  <a:schemeClr val="tx1"/>
-                </a:solidFill>
-              </a:rPr>
-              <a:t>Spring-data-</a:t>
-            </a:r>
-            <a:r>
-              <a:rPr lang="en-US" altLang="zh-CN" dirty="0" err="1">
-                <a:solidFill>
-                  <a:schemeClr val="tx1"/>
-                </a:solidFill>
-              </a:rPr>
-              <a:t>jpa</a:t>
-            </a:r>
-            <a:endParaRPr lang="zh-CN" altLang="en-US" dirty="0">
-              <a:solidFill>
-                <a:schemeClr val="tx1"/>
-              </a:solidFill>
-            </a:endParaRPr>
-          </a:p>
-        </p:txBody>
-      </p:sp>
-      <p:sp>
-        <p:nvSpPr>
-          <p:cNvPr id="17" name="矩形 16">
-            <a:extLst>
-              <a:ext uri="{FF2B5EF4-FFF2-40B4-BE49-F238E27FC236}">
-                <a16:creationId xmlns:a16="http://schemas.microsoft.com/office/drawing/2014/main" id="{4676C0E0-A954-40E5-A8FE-2CC74D7EB700}"/>
-              </a:ext>
-            </a:extLst>
-          </p:cNvPr>
-          <p:cNvSpPr/>
-          <p:nvPr/>
-        </p:nvSpPr>
-        <p:spPr>
-          <a:xfrm>
-            <a:off x="1211222" y="5625787"/>
-            <a:ext cx="1545227" cy="602734"/>
-          </a:xfrm>
-          <a:prstGeom prst="rect">
-            <a:avLst/>
-          </a:prstGeom>
-          <a:solidFill>
-            <a:srgbClr val="92D050"/>
-          </a:solidFill>
-        </p:spPr>
-        <p:style>
-          <a:lnRef idx="2">
-            <a:schemeClr val="accent1">
-              <a:shade val="50000"/>
-            </a:schemeClr>
-          </a:lnRef>
-          <a:fillRef idx="1">
-            <a:schemeClr val="accent1"/>
-          </a:fillRef>
-          <a:effectRef idx="0">
-            <a:schemeClr val="accent1"/>
-          </a:effectRef>
-          <a:fontRef idx="minor">
-            <a:schemeClr val="lt1"/>
-          </a:fontRef>
-        </p:style>
-        <p:txBody>
-          <a:bodyPr rtlCol="0" anchor="ctr"/>
-          <a:lstStyle/>
-          <a:p>
-            <a:pPr algn="ctr"/>
-            <a:r>
-              <a:rPr lang="zh-CN" altLang="en-US" dirty="0">
-                <a:solidFill>
-                  <a:schemeClr val="tx1"/>
-                </a:solidFill>
-              </a:rPr>
-              <a:t>系统层</a:t>
-            </a:r>
-          </a:p>
-        </p:txBody>
-      </p:sp>
-      <p:sp>
-        <p:nvSpPr>
-          <p:cNvPr id="18" name="矩形 17">
-            <a:extLst>
-              <a:ext uri="{FF2B5EF4-FFF2-40B4-BE49-F238E27FC236}">
-                <a16:creationId xmlns:a16="http://schemas.microsoft.com/office/drawing/2014/main" id="{33B40BBC-3E9E-452E-9F11-825CCECB3EED}"/>
-              </a:ext>
-            </a:extLst>
-          </p:cNvPr>
-          <p:cNvSpPr/>
-          <p:nvPr/>
-        </p:nvSpPr>
-        <p:spPr>
-          <a:xfrm>
-            <a:off x="2888975" y="5625787"/>
-            <a:ext cx="7924799" cy="609600"/>
-          </a:xfrm>
-          <a:prstGeom prst="rect">
-            <a:avLst/>
-          </a:prstGeom>
-          <a:solidFill>
-            <a:srgbClr val="9D9D9D"/>
-          </a:solidFill>
-        </p:spPr>
-        <p:style>
-          <a:lnRef idx="2">
-            <a:schemeClr val="accent1">
-              <a:shade val="50000"/>
-            </a:schemeClr>
-          </a:lnRef>
-          <a:fillRef idx="1">
-            <a:schemeClr val="accent1"/>
-          </a:fillRef>
-          <a:effectRef idx="0">
-            <a:schemeClr val="accent1"/>
-          </a:effectRef>
-          <a:fontRef idx="minor">
-            <a:schemeClr val="lt1"/>
-          </a:fontRef>
-        </p:style>
-        <p:txBody>
-          <a:bodyPr rtlCol="0" anchor="ctr"/>
-          <a:lstStyle/>
-          <a:p>
-            <a:pPr algn="ctr"/>
-            <a:r>
-              <a:rPr lang="zh-CN" altLang="en-US" sz="1200" dirty="0"/>
-              <a:t>操作系统层 </a:t>
-            </a:r>
-            <a:r>
-              <a:rPr lang="en-US" altLang="zh-CN" sz="1200" dirty="0"/>
-              <a:t>(CentOS 7)</a:t>
-            </a:r>
-            <a:endParaRPr lang="zh-CN" altLang="en-US" sz="1200" dirty="0"/>
-          </a:p>
-        </p:txBody>
-      </p:sp>
-      <p:sp>
-        <p:nvSpPr>
-          <p:cNvPr id="19" name="矩形 18">
-            <a:extLst>
-              <a:ext uri="{FF2B5EF4-FFF2-40B4-BE49-F238E27FC236}">
-                <a16:creationId xmlns:a16="http://schemas.microsoft.com/office/drawing/2014/main" id="{45816C78-64BA-4F84-AF7D-E2AA9ED87BB2}"/>
-              </a:ext>
-            </a:extLst>
-          </p:cNvPr>
-          <p:cNvSpPr/>
-          <p:nvPr/>
-        </p:nvSpPr>
-        <p:spPr>
-          <a:xfrm>
-            <a:off x="9731080" y="865103"/>
-            <a:ext cx="1545227" cy="602734"/>
-          </a:xfrm>
-          <a:prstGeom prst="rect">
-            <a:avLst/>
-          </a:prstGeom>
-          <a:solidFill>
-            <a:srgbClr val="92D050"/>
-          </a:solidFill>
-        </p:spPr>
-        <p:style>
-          <a:lnRef idx="2">
-            <a:schemeClr val="accent1">
-              <a:shade val="50000"/>
-            </a:schemeClr>
-          </a:lnRef>
-          <a:fillRef idx="1">
-            <a:schemeClr val="accent1"/>
-          </a:fillRef>
-          <a:effectRef idx="0">
-            <a:schemeClr val="accent1"/>
-          </a:effectRef>
-          <a:fontRef idx="minor">
-            <a:schemeClr val="lt1"/>
-          </a:fontRef>
-        </p:style>
-        <p:txBody>
-          <a:bodyPr rtlCol="0" anchor="ctr"/>
-          <a:lstStyle/>
-          <a:p>
-            <a:pPr algn="ctr"/>
-            <a:r>
-              <a:rPr lang="en-US" altLang="zh-CN" dirty="0">
-                <a:solidFill>
-                  <a:schemeClr val="tx1"/>
-                </a:solidFill>
-              </a:rPr>
-              <a:t>Ajax</a:t>
-            </a:r>
-            <a:endParaRPr lang="zh-CN" altLang="en-US" dirty="0">
-              <a:solidFill>
-                <a:schemeClr val="tx1"/>
-              </a:solidFill>
-            </a:endParaRPr>
-          </a:p>
-        </p:txBody>
-      </p:sp>
-      <p:sp>
-        <p:nvSpPr>
-          <p:cNvPr id="20" name="矩形 19">
-            <a:extLst>
-              <a:ext uri="{FF2B5EF4-FFF2-40B4-BE49-F238E27FC236}">
-                <a16:creationId xmlns:a16="http://schemas.microsoft.com/office/drawing/2014/main" id="{D21FC356-0989-4098-A769-7E81A3460A7E}"/>
-              </a:ext>
-            </a:extLst>
-          </p:cNvPr>
-          <p:cNvSpPr/>
-          <p:nvPr/>
-        </p:nvSpPr>
-        <p:spPr>
-          <a:xfrm>
-            <a:off x="2920757" y="4492488"/>
-            <a:ext cx="7893017" cy="917742"/>
-          </a:xfrm>
-          <a:prstGeom prst="rect">
-            <a:avLst/>
-          </a:prstGeom>
-        </p:spPr>
-        <p:style>
-          <a:lnRef idx="2">
-            <a:schemeClr val="accent1"/>
-          </a:lnRef>
-          <a:fillRef idx="1">
-            <a:schemeClr val="lt1"/>
-          </a:fillRef>
-          <a:effectRef idx="0">
-            <a:schemeClr val="accent1"/>
-          </a:effectRef>
-          <a:fontRef idx="minor">
-            <a:schemeClr val="dk1"/>
-          </a:fontRef>
-        </p:style>
-        <p:txBody>
-          <a:bodyPr rtlCol="0" anchor="t"/>
-          <a:lstStyle/>
-          <a:p>
-            <a:pPr algn="ctr"/>
-            <a:endParaRPr lang="zh-CN" altLang="en-US" sz="1200" dirty="0"/>
-          </a:p>
-        </p:txBody>
-      </p:sp>
-      <p:grpSp>
-        <p:nvGrpSpPr>
-          <p:cNvPr id="22" name="组合 21">
-            <a:extLst>
-              <a:ext uri="{FF2B5EF4-FFF2-40B4-BE49-F238E27FC236}">
-                <a16:creationId xmlns:a16="http://schemas.microsoft.com/office/drawing/2014/main" id="{2C75E558-BCF0-409C-AAB4-E501DD1477C5}"/>
-              </a:ext>
-            </a:extLst>
-          </p:cNvPr>
-          <p:cNvGrpSpPr/>
-          <p:nvPr/>
-        </p:nvGrpSpPr>
-        <p:grpSpPr>
-          <a:xfrm>
-            <a:off x="7171031" y="4578773"/>
-            <a:ext cx="2420017" cy="758613"/>
-            <a:chOff x="2438089" y="3582144"/>
-            <a:chExt cx="2591006" cy="910344"/>
-          </a:xfrm>
-        </p:grpSpPr>
-        <p:sp>
-          <p:nvSpPr>
-            <p:cNvPr id="23" name="矩形 22">
-              <a:extLst>
-                <a:ext uri="{FF2B5EF4-FFF2-40B4-BE49-F238E27FC236}">
-                  <a16:creationId xmlns:a16="http://schemas.microsoft.com/office/drawing/2014/main" id="{4C8CD7F0-F508-4429-863A-B7D9D32AC93A}"/>
-                </a:ext>
-              </a:extLst>
-            </p:cNvPr>
-            <p:cNvSpPr/>
-            <p:nvPr/>
-          </p:nvSpPr>
-          <p:spPr>
-            <a:xfrm>
-              <a:off x="2438089" y="3582144"/>
-              <a:ext cx="2591006" cy="910344"/>
-            </a:xfrm>
-            <a:prstGeom prst="rect">
-              <a:avLst/>
-            </a:prstGeom>
-          </p:spPr>
-          <p:style>
-            <a:lnRef idx="2">
-              <a:schemeClr val="accent2"/>
-            </a:lnRef>
-            <a:fillRef idx="1">
-              <a:schemeClr val="lt1"/>
-            </a:fillRef>
-            <a:effectRef idx="0">
-              <a:schemeClr val="accent2"/>
-            </a:effectRef>
-            <a:fontRef idx="minor">
-              <a:schemeClr val="dk1"/>
-            </a:fontRef>
-          </p:style>
-          <p:txBody>
-            <a:bodyPr rtlCol="0" anchor="ctr"/>
-            <a:lstStyle/>
-            <a:p>
-              <a:pPr algn="r"/>
-              <a:r>
-                <a:rPr lang="en-US" altLang="zh-CN" dirty="0" err="1"/>
-                <a:t>Mysql</a:t>
-              </a:r>
-              <a:r>
-                <a:rPr lang="en-US" altLang="zh-CN" dirty="0"/>
-                <a:t> </a:t>
-              </a:r>
-              <a:r>
-                <a:rPr lang="zh-CN" altLang="en-US" dirty="0"/>
-                <a:t>容器</a:t>
-              </a:r>
-            </a:p>
-          </p:txBody>
-        </p:sp>
-        <p:pic>
-          <p:nvPicPr>
-            <p:cNvPr id="24" name="Picture 2" descr="https://ss2.baidu.com/6ONYsjip0QIZ8tyhnq/it/u=627926345,3251565989&amp;fm=58&amp;s=04B05D32C9A458110AE135C1020050B0">
-              <a:extLst>
-                <a:ext uri="{FF2B5EF4-FFF2-40B4-BE49-F238E27FC236}">
-                  <a16:creationId xmlns:a16="http://schemas.microsoft.com/office/drawing/2014/main" id="{311378C9-7EAC-4889-9359-32A221234398}"/>
-                </a:ext>
-              </a:extLst>
-            </p:cNvPr>
-            <p:cNvPicPr>
-              <a:picLocks noChangeAspect="1" noChangeArrowheads="1"/>
-            </p:cNvPicPr>
-            <p:nvPr/>
-          </p:nvPicPr>
-          <p:blipFill>
-            <a:blip r:embed="rId2">
-              <a:extLst>
-                <a:ext uri="{28A0092B-C50C-407E-A947-70E740481C1C}">
-                  <a14:useLocalDpi xmlns:a14="http://schemas.microsoft.com/office/drawing/2010/main" val="0"/>
-                </a:ext>
-              </a:extLst>
-            </a:blip>
-            <a:srcRect/>
-            <a:stretch>
-              <a:fillRect/>
-            </a:stretch>
-          </p:blipFill>
-          <p:spPr bwMode="auto">
-            <a:xfrm>
-              <a:off x="2557254" y="3653493"/>
-              <a:ext cx="1133475" cy="714375"/>
-            </a:xfrm>
-            <a:prstGeom prst="rect">
-              <a:avLst/>
-            </a:prstGeom>
-            <a:noFill/>
-            <a:extLst>
-              <a:ext uri="{909E8E84-426E-40DD-AFC4-6F175D3DCCD1}">
-                <a14:hiddenFill xmlns:a14="http://schemas.microsoft.com/office/drawing/2010/main">
-                  <a:solidFill>
-                    <a:srgbClr val="FFFFFF"/>
-                  </a:solidFill>
-                </a14:hiddenFill>
-              </a:ext>
-            </a:extLst>
-          </p:spPr>
-        </p:pic>
-      </p:grpSp>
-      <p:grpSp>
-        <p:nvGrpSpPr>
-          <p:cNvPr id="1024" name="组合 1023">
-            <a:extLst>
-              <a:ext uri="{FF2B5EF4-FFF2-40B4-BE49-F238E27FC236}">
-                <a16:creationId xmlns:a16="http://schemas.microsoft.com/office/drawing/2014/main" id="{C84854D6-CE73-4BC1-8B15-B5B5F39AF05E}"/>
-              </a:ext>
-            </a:extLst>
-          </p:cNvPr>
-          <p:cNvGrpSpPr/>
-          <p:nvPr/>
-        </p:nvGrpSpPr>
-        <p:grpSpPr>
-          <a:xfrm>
-            <a:off x="3835886" y="4572052"/>
-            <a:ext cx="2420017" cy="758613"/>
-            <a:chOff x="9404983" y="3185149"/>
-            <a:chExt cx="2420017" cy="758613"/>
-          </a:xfrm>
-        </p:grpSpPr>
-        <p:sp>
-          <p:nvSpPr>
-            <p:cNvPr id="27" name="矩形 26">
-              <a:extLst>
-                <a:ext uri="{FF2B5EF4-FFF2-40B4-BE49-F238E27FC236}">
-                  <a16:creationId xmlns:a16="http://schemas.microsoft.com/office/drawing/2014/main" id="{32B39EB2-9FD3-4289-801C-C77705C329BD}"/>
-                </a:ext>
-              </a:extLst>
-            </p:cNvPr>
-            <p:cNvSpPr/>
-            <p:nvPr/>
-          </p:nvSpPr>
-          <p:spPr>
-            <a:xfrm>
-              <a:off x="9404983" y="3185149"/>
-              <a:ext cx="2420017" cy="758613"/>
-            </a:xfrm>
-            <a:prstGeom prst="rect">
-              <a:avLst/>
-            </a:prstGeom>
-          </p:spPr>
-          <p:style>
-            <a:lnRef idx="2">
-              <a:schemeClr val="accent2"/>
-            </a:lnRef>
-            <a:fillRef idx="1">
-              <a:schemeClr val="lt1"/>
-            </a:fillRef>
-            <a:effectRef idx="0">
-              <a:schemeClr val="accent2"/>
-            </a:effectRef>
-            <a:fontRef idx="minor">
-              <a:schemeClr val="dk1"/>
-            </a:fontRef>
-          </p:style>
-          <p:txBody>
-            <a:bodyPr rtlCol="0" anchor="ctr"/>
-            <a:lstStyle/>
-            <a:p>
-              <a:pPr algn="r"/>
-              <a:r>
-                <a:rPr lang="en-US" altLang="zh-CN" dirty="0"/>
-                <a:t>Tomcat</a:t>
-              </a:r>
-              <a:r>
-                <a:rPr lang="zh-CN" altLang="en-US" dirty="0"/>
-                <a:t>容器</a:t>
-              </a:r>
-            </a:p>
-          </p:txBody>
-        </p:sp>
-        <p:pic>
-          <p:nvPicPr>
-            <p:cNvPr id="31" name="图片 30">
-              <a:extLst>
-                <a:ext uri="{FF2B5EF4-FFF2-40B4-BE49-F238E27FC236}">
-                  <a16:creationId xmlns:a16="http://schemas.microsoft.com/office/drawing/2014/main" id="{38497902-9C05-4EE3-8D83-E7642109A967}"/>
-                </a:ext>
-              </a:extLst>
-            </p:cNvPr>
-            <p:cNvPicPr>
-              <a:picLocks noChangeAspect="1"/>
-            </p:cNvPicPr>
-            <p:nvPr/>
-          </p:nvPicPr>
-          <p:blipFill>
-            <a:blip r:embed="rId3"/>
-            <a:stretch>
-              <a:fillRect/>
-            </a:stretch>
-          </p:blipFill>
-          <p:spPr>
-            <a:xfrm>
-              <a:off x="9545548" y="3206637"/>
-              <a:ext cx="958145" cy="719426"/>
-            </a:xfrm>
-            <a:prstGeom prst="rect">
-              <a:avLst/>
-            </a:prstGeom>
-          </p:spPr>
-        </p:pic>
-      </p:grpSp>
-    </p:spTree>
-    <p:extLst>
-      <p:ext uri="{BB962C8B-B14F-4D97-AF65-F5344CB8AC3E}">
-        <p14:creationId xmlns:p14="http://schemas.microsoft.com/office/powerpoint/2010/main" val="1088573480"/>
-      </p:ext>
-    </p:extLst>
-  </p:cSld>
-  <p:clrMapOvr>
-    <a:masterClrMapping/>
-  </p:clrMapOvr>
-</p:sld>
-</file>
-
-<file path=ppt/slides/slide5.xml><?xml version="1.0" encoding="utf-8"?>
 <p:sld xmlns:a="http://schemas.openxmlformats.org/drawingml/2006/main" xmlns:r="http://schemas.openxmlformats.org/officeDocument/2006/relationships" xmlns:p="http://schemas.openxmlformats.org/presentationml/2006/main">
   <p:cSld>
     <p:spTree>
